--- a/20190930_Lunes_Ejemplo_Reddy-Mikks/Modelo de Programación Lineal.pptx
+++ b/20190930_Lunes_Ejemplo_Reddy-Mikks/Modelo de Programación Lineal.pptx
@@ -111,6 +111,11 @@
       </a:defRPr>
     </a:lvl9pPr>
   </p:defaultTextStyle>
+  <p:extLst>
+    <p:ext uri="{EFAFB233-063F-42B5-8137-9DF3F51BA10A}">
+      <p15:sldGuideLst xmlns:p15="http://schemas.microsoft.com/office/powerpoint/2012/main"/>
+    </p:ext>
+  </p:extLst>
 </p:presentation>
 </file>
 
@@ -3050,6 +3055,13 @@
   <p:clrMapOvr>
     <a:masterClrMapping/>
   </p:clrMapOvr>
+  <p:timing>
+    <p:tnLst>
+      <p:par>
+        <p:cTn id="1" dur="indefinite" restart="never" nodeType="tmRoot"/>
+      </p:par>
+    </p:tnLst>
+  </p:timing>
 </p:sld>
 </file>
 
@@ -3131,6 +3143,13 @@
   <p:clrMapOvr>
     <a:masterClrMapping/>
   </p:clrMapOvr>
+  <p:timing>
+    <p:tnLst>
+      <p:par>
+        <p:cTn id="1" dur="indefinite" restart="never" nodeType="tmRoot"/>
+      </p:par>
+    </p:tnLst>
+  </p:timing>
 </p:sld>
 </file>
 
@@ -3282,6 +3301,13 @@
   <p:clrMapOvr>
     <a:masterClrMapping/>
   </p:clrMapOvr>
+  <p:timing>
+    <p:tnLst>
+      <p:par>
+        <p:cTn id="1" dur="indefinite" restart="never" nodeType="tmRoot"/>
+      </p:par>
+    </p:tnLst>
+  </p:timing>
 </p:sld>
 </file>
 
@@ -3401,6 +3427,81 @@
   <p:clrMapOvr>
     <a:masterClrMapping/>
   </p:clrMapOvr>
+  <p:timing>
+    <p:tnLst>
+      <p:par>
+        <p:cTn id="1" dur="indefinite" restart="never" nodeType="tmRoot">
+          <p:childTnLst>
+            <p:seq concurrent="1" nextAc="seek">
+              <p:cTn id="2" dur="indefinite" nodeType="mainSeq">
+                <p:childTnLst>
+                  <p:par>
+                    <p:cTn id="3" fill="hold">
+                      <p:stCondLst>
+                        <p:cond delay="indefinite"/>
+                      </p:stCondLst>
+                      <p:childTnLst>
+                        <p:par>
+                          <p:cTn id="4" fill="hold">
+                            <p:stCondLst>
+                              <p:cond delay="0"/>
+                            </p:stCondLst>
+                            <p:childTnLst>
+                              <p:par>
+                                <p:cTn id="5" presetID="1" presetClass="entr" presetSubtype="0" fill="hold" nodeType="clickEffect">
+                                  <p:stCondLst>
+                                    <p:cond delay="0"/>
+                                  </p:stCondLst>
+                                  <p:childTnLst>
+                                    <p:set>
+                                      <p:cBhvr>
+                                        <p:cTn id="6" dur="1" fill="hold">
+                                          <p:stCondLst>
+                                            <p:cond delay="0"/>
+                                          </p:stCondLst>
+                                        </p:cTn>
+                                        <p:tgtEl>
+                                          <p:spTgt spid="5"/>
+                                        </p:tgtEl>
+                                        <p:attrNameLst>
+                                          <p:attrName>style.visibility</p:attrName>
+                                        </p:attrNameLst>
+                                      </p:cBhvr>
+                                      <p:to>
+                                        <p:strVal val="visible"/>
+                                      </p:to>
+                                    </p:set>
+                                  </p:childTnLst>
+                                </p:cTn>
+                              </p:par>
+                            </p:childTnLst>
+                          </p:cTn>
+                        </p:par>
+                      </p:childTnLst>
+                    </p:cTn>
+                  </p:par>
+                </p:childTnLst>
+              </p:cTn>
+              <p:prevCondLst>
+                <p:cond evt="onPrev" delay="0">
+                  <p:tgtEl>
+                    <p:sldTgt/>
+                  </p:tgtEl>
+                </p:cond>
+              </p:prevCondLst>
+              <p:nextCondLst>
+                <p:cond evt="onNext" delay="0">
+                  <p:tgtEl>
+                    <p:sldTgt/>
+                  </p:tgtEl>
+                </p:cond>
+              </p:nextCondLst>
+            </p:seq>
+          </p:childTnLst>
+        </p:cTn>
+      </p:par>
+    </p:tnLst>
+  </p:timing>
 </p:sld>
 </file>
 
@@ -3456,22 +3557,44 @@
       </p:sp>
       <p:pic>
         <p:nvPicPr>
-          <p:cNvPr id="4" name="Imagen 3"/>
+          <p:cNvPr id="5" name="Imagen 4"/>
           <p:cNvPicPr>
             <a:picLocks noChangeAspect="1"/>
           </p:cNvPicPr>
           <p:nvPr/>
         </p:nvPicPr>
-        <p:blipFill>
+        <p:blipFill rotWithShape="1">
           <a:blip r:embed="rId2"/>
-          <a:stretch>
-            <a:fillRect/>
-          </a:stretch>
+          <a:srcRect t="-367" b="39722"/>
+          <a:stretch/>
         </p:blipFill>
         <p:spPr>
           <a:xfrm>
-            <a:off x="838200" y="2060801"/>
-            <a:ext cx="10245176" cy="3425599"/>
+            <a:off x="838200" y="1975758"/>
+            <a:ext cx="10245176" cy="2077471"/>
+          </a:xfrm>
+          <a:prstGeom prst="rect">
+            <a:avLst/>
+          </a:prstGeom>
+        </p:spPr>
+      </p:pic>
+      <p:pic>
+        <p:nvPicPr>
+          <p:cNvPr id="6" name="Imagen 5"/>
+          <p:cNvPicPr>
+            <a:picLocks noChangeAspect="1"/>
+          </p:cNvPicPr>
+          <p:nvPr/>
+        </p:nvPicPr>
+        <p:blipFill rotWithShape="1">
+          <a:blip r:embed="rId2"/>
+          <a:srcRect l="319" t="61012" r="-319" b="855"/>
+          <a:stretch/>
+        </p:blipFill>
+        <p:spPr>
+          <a:xfrm>
+            <a:off x="838200" y="4256656"/>
+            <a:ext cx="10245176" cy="1306286"/>
           </a:xfrm>
           <a:prstGeom prst="rect">
             <a:avLst/>
@@ -3488,6 +3611,126 @@
   <p:clrMapOvr>
     <a:masterClrMapping/>
   </p:clrMapOvr>
+  <p:timing>
+    <p:tnLst>
+      <p:par>
+        <p:cTn id="1" dur="indefinite" restart="never" nodeType="tmRoot">
+          <p:childTnLst>
+            <p:seq concurrent="1" nextAc="seek">
+              <p:cTn id="2" dur="indefinite" nodeType="mainSeq">
+                <p:childTnLst>
+                  <p:par>
+                    <p:cTn id="3" fill="hold">
+                      <p:stCondLst>
+                        <p:cond delay="indefinite"/>
+                      </p:stCondLst>
+                      <p:childTnLst>
+                        <p:par>
+                          <p:cTn id="4" fill="hold">
+                            <p:stCondLst>
+                              <p:cond delay="0"/>
+                            </p:stCondLst>
+                            <p:childTnLst>
+                              <p:par>
+                                <p:cTn id="5" presetID="1" presetClass="entr" presetSubtype="0" fill="hold" nodeType="clickEffect">
+                                  <p:stCondLst>
+                                    <p:cond delay="0"/>
+                                  </p:stCondLst>
+                                  <p:childTnLst>
+                                    <p:set>
+                                      <p:cBhvr>
+                                        <p:cTn id="6" dur="1" fill="hold">
+                                          <p:stCondLst>
+                                            <p:cond delay="0"/>
+                                          </p:stCondLst>
+                                        </p:cTn>
+                                        <p:tgtEl>
+                                          <p:spTgt spid="5"/>
+                                        </p:tgtEl>
+                                        <p:attrNameLst>
+                                          <p:attrName>style.visibility</p:attrName>
+                                        </p:attrNameLst>
+                                      </p:cBhvr>
+                                      <p:to>
+                                        <p:strVal val="visible"/>
+                                      </p:to>
+                                    </p:set>
+                                  </p:childTnLst>
+                                </p:cTn>
+                              </p:par>
+                            </p:childTnLst>
+                          </p:cTn>
+                        </p:par>
+                      </p:childTnLst>
+                    </p:cTn>
+                  </p:par>
+                  <p:par>
+                    <p:cTn id="7" fill="hold">
+                      <p:stCondLst>
+                        <p:cond delay="indefinite"/>
+                      </p:stCondLst>
+                      <p:childTnLst>
+                        <p:par>
+                          <p:cTn id="8" fill="hold">
+                            <p:stCondLst>
+                              <p:cond delay="0"/>
+                            </p:stCondLst>
+                            <p:childTnLst>
+                              <p:par>
+                                <p:cTn id="9" presetID="1" presetClass="entr" presetSubtype="0" fill="hold" nodeType="clickEffect">
+                                  <p:stCondLst>
+                                    <p:cond delay="0"/>
+                                  </p:stCondLst>
+                                  <p:childTnLst>
+                                    <p:set>
+                                      <p:cBhvr>
+                                        <p:cTn id="10" dur="1" fill="hold">
+                                          <p:stCondLst>
+                                            <p:cond delay="0"/>
+                                          </p:stCondLst>
+                                        </p:cTn>
+                                        <p:tgtEl>
+                                          <p:spTgt spid="6"/>
+                                        </p:tgtEl>
+                                        <p:attrNameLst>
+                                          <p:attrName>style.visibility</p:attrName>
+                                        </p:attrNameLst>
+                                      </p:cBhvr>
+                                      <p:to>
+                                        <p:strVal val="visible"/>
+                                      </p:to>
+                                    </p:set>
+                                  </p:childTnLst>
+                                </p:cTn>
+                              </p:par>
+                            </p:childTnLst>
+                          </p:cTn>
+                        </p:par>
+                      </p:childTnLst>
+                    </p:cTn>
+                  </p:par>
+                </p:childTnLst>
+              </p:cTn>
+              <p:prevCondLst>
+                <p:cond evt="onPrev" delay="0">
+                  <p:tgtEl>
+                    <p:sldTgt/>
+                  </p:tgtEl>
+                </p:cond>
+              </p:prevCondLst>
+              <p:nextCondLst>
+                <p:cond evt="onNext" delay="0">
+                  <p:tgtEl>
+                    <p:sldTgt/>
+                  </p:tgtEl>
+                </p:cond>
+              </p:nextCondLst>
+            </p:seq>
+          </p:childTnLst>
+        </p:cTn>
+      </p:par>
+    </p:tnLst>
+  </p:timing>
 </p:sld>
 </file>
 
@@ -3585,16 +3828,38 @@
           </p:cNvPicPr>
           <p:nvPr/>
         </p:nvPicPr>
-        <p:blipFill>
+        <p:blipFill rotWithShape="1">
           <a:blip r:embed="rId3"/>
-          <a:stretch>
-            <a:fillRect/>
-          </a:stretch>
+          <a:srcRect b="38969"/>
+          <a:stretch/>
         </p:blipFill>
         <p:spPr>
           <a:xfrm>
-            <a:off x="690961" y="2978603"/>
-            <a:ext cx="10444843" cy="3715959"/>
+            <a:off x="838200" y="2924575"/>
+            <a:ext cx="10444843" cy="2267911"/>
+          </a:xfrm>
+          <a:prstGeom prst="rect">
+            <a:avLst/>
+          </a:prstGeom>
+        </p:spPr>
+      </p:pic>
+      <p:pic>
+        <p:nvPicPr>
+          <p:cNvPr id="6" name="Imagen 5"/>
+          <p:cNvPicPr>
+            <a:picLocks noChangeAspect="1"/>
+          </p:cNvPicPr>
+          <p:nvPr/>
+        </p:nvPicPr>
+        <p:blipFill rotWithShape="1">
+          <a:blip r:embed="rId3"/>
+          <a:srcRect t="61471"/>
+          <a:stretch/>
+        </p:blipFill>
+        <p:spPr>
+          <a:xfrm>
+            <a:off x="838200" y="5226904"/>
+            <a:ext cx="10444843" cy="1431720"/>
           </a:xfrm>
           <a:prstGeom prst="rect">
             <a:avLst/>
@@ -3611,6 +3876,126 @@
   <p:clrMapOvr>
     <a:masterClrMapping/>
   </p:clrMapOvr>
+  <p:timing>
+    <p:tnLst>
+      <p:par>
+        <p:cTn id="1" dur="indefinite" restart="never" nodeType="tmRoot">
+          <p:childTnLst>
+            <p:seq concurrent="1" nextAc="seek">
+              <p:cTn id="2" dur="indefinite" nodeType="mainSeq">
+                <p:childTnLst>
+                  <p:par>
+                    <p:cTn id="3" fill="hold">
+                      <p:stCondLst>
+                        <p:cond delay="indefinite"/>
+                      </p:stCondLst>
+                      <p:childTnLst>
+                        <p:par>
+                          <p:cTn id="4" fill="hold">
+                            <p:stCondLst>
+                              <p:cond delay="0"/>
+                            </p:stCondLst>
+                            <p:childTnLst>
+                              <p:par>
+                                <p:cTn id="5" presetID="1" presetClass="entr" presetSubtype="0" fill="hold" nodeType="clickEffect">
+                                  <p:stCondLst>
+                                    <p:cond delay="0"/>
+                                  </p:stCondLst>
+                                  <p:childTnLst>
+                                    <p:set>
+                                      <p:cBhvr>
+                                        <p:cTn id="6" dur="1" fill="hold">
+                                          <p:stCondLst>
+                                            <p:cond delay="0"/>
+                                          </p:stCondLst>
+                                        </p:cTn>
+                                        <p:tgtEl>
+                                          <p:spTgt spid="5"/>
+                                        </p:tgtEl>
+                                        <p:attrNameLst>
+                                          <p:attrName>style.visibility</p:attrName>
+                                        </p:attrNameLst>
+                                      </p:cBhvr>
+                                      <p:to>
+                                        <p:strVal val="visible"/>
+                                      </p:to>
+                                    </p:set>
+                                  </p:childTnLst>
+                                </p:cTn>
+                              </p:par>
+                            </p:childTnLst>
+                          </p:cTn>
+                        </p:par>
+                      </p:childTnLst>
+                    </p:cTn>
+                  </p:par>
+                  <p:par>
+                    <p:cTn id="7" fill="hold">
+                      <p:stCondLst>
+                        <p:cond delay="indefinite"/>
+                      </p:stCondLst>
+                      <p:childTnLst>
+                        <p:par>
+                          <p:cTn id="8" fill="hold">
+                            <p:stCondLst>
+                              <p:cond delay="0"/>
+                            </p:stCondLst>
+                            <p:childTnLst>
+                              <p:par>
+                                <p:cTn id="9" presetID="1" presetClass="entr" presetSubtype="0" fill="hold" nodeType="clickEffect">
+                                  <p:stCondLst>
+                                    <p:cond delay="0"/>
+                                  </p:stCondLst>
+                                  <p:childTnLst>
+                                    <p:set>
+                                      <p:cBhvr>
+                                        <p:cTn id="10" dur="1" fill="hold">
+                                          <p:stCondLst>
+                                            <p:cond delay="0"/>
+                                          </p:stCondLst>
+                                        </p:cTn>
+                                        <p:tgtEl>
+                                          <p:spTgt spid="6"/>
+                                        </p:tgtEl>
+                                        <p:attrNameLst>
+                                          <p:attrName>style.visibility</p:attrName>
+                                        </p:attrNameLst>
+                                      </p:cBhvr>
+                                      <p:to>
+                                        <p:strVal val="visible"/>
+                                      </p:to>
+                                    </p:set>
+                                  </p:childTnLst>
+                                </p:cTn>
+                              </p:par>
+                            </p:childTnLst>
+                          </p:cTn>
+                        </p:par>
+                      </p:childTnLst>
+                    </p:cTn>
+                  </p:par>
+                </p:childTnLst>
+              </p:cTn>
+              <p:prevCondLst>
+                <p:cond evt="onPrev" delay="0">
+                  <p:tgtEl>
+                    <p:sldTgt/>
+                  </p:tgtEl>
+                </p:cond>
+              </p:prevCondLst>
+              <p:nextCondLst>
+                <p:cond evt="onNext" delay="0">
+                  <p:tgtEl>
+                    <p:sldTgt/>
+                  </p:tgtEl>
+                </p:cond>
+              </p:nextCondLst>
+            </p:seq>
+          </p:childTnLst>
+        </p:cTn>
+      </p:par>
+    </p:tnLst>
+  </p:timing>
 </p:sld>
 </file>
 
@@ -3688,6 +4073,81 @@
   <p:clrMapOvr>
     <a:masterClrMapping/>
   </p:clrMapOvr>
+  <p:timing>
+    <p:tnLst>
+      <p:par>
+        <p:cTn id="1" dur="indefinite" restart="never" nodeType="tmRoot">
+          <p:childTnLst>
+            <p:seq concurrent="1" nextAc="seek">
+              <p:cTn id="2" dur="indefinite" nodeType="mainSeq">
+                <p:childTnLst>
+                  <p:par>
+                    <p:cTn id="3" fill="hold">
+                      <p:stCondLst>
+                        <p:cond delay="indefinite"/>
+                      </p:stCondLst>
+                      <p:childTnLst>
+                        <p:par>
+                          <p:cTn id="4" fill="hold">
+                            <p:stCondLst>
+                              <p:cond delay="0"/>
+                            </p:stCondLst>
+                            <p:childTnLst>
+                              <p:par>
+                                <p:cTn id="5" presetID="1" presetClass="entr" presetSubtype="0" fill="hold" nodeType="clickEffect">
+                                  <p:stCondLst>
+                                    <p:cond delay="0"/>
+                                  </p:stCondLst>
+                                  <p:childTnLst>
+                                    <p:set>
+                                      <p:cBhvr>
+                                        <p:cTn id="6" dur="1" fill="hold">
+                                          <p:stCondLst>
+                                            <p:cond delay="0"/>
+                                          </p:stCondLst>
+                                        </p:cTn>
+                                        <p:tgtEl>
+                                          <p:spTgt spid="5"/>
+                                        </p:tgtEl>
+                                        <p:attrNameLst>
+                                          <p:attrName>style.visibility</p:attrName>
+                                        </p:attrNameLst>
+                                      </p:cBhvr>
+                                      <p:to>
+                                        <p:strVal val="visible"/>
+                                      </p:to>
+                                    </p:set>
+                                  </p:childTnLst>
+                                </p:cTn>
+                              </p:par>
+                            </p:childTnLst>
+                          </p:cTn>
+                        </p:par>
+                      </p:childTnLst>
+                    </p:cTn>
+                  </p:par>
+                </p:childTnLst>
+              </p:cTn>
+              <p:prevCondLst>
+                <p:cond evt="onPrev" delay="0">
+                  <p:tgtEl>
+                    <p:sldTgt/>
+                  </p:tgtEl>
+                </p:cond>
+              </p:prevCondLst>
+              <p:nextCondLst>
+                <p:cond evt="onNext" delay="0">
+                  <p:tgtEl>
+                    <p:sldTgt/>
+                  </p:tgtEl>
+                </p:cond>
+              </p:nextCondLst>
+            </p:seq>
+          </p:childTnLst>
+        </p:cTn>
+      </p:par>
+    </p:tnLst>
+  </p:timing>
 </p:sld>
 </file>
 
@@ -3742,6 +4202,13 @@
   <p:clrMapOvr>
     <a:masterClrMapping/>
   </p:clrMapOvr>
+  <p:timing>
+    <p:tnLst>
+      <p:par>
+        <p:cTn id="1" dur="indefinite" restart="never" nodeType="tmRoot"/>
+      </p:par>
+    </p:tnLst>
+  </p:timing>
 </p:sld>
 </file>
 
